--- a/Cards/Card-DifferentialGeometry-2023.pptx
+++ b/Cards/Card-DifferentialGeometry-2023.pptx
@@ -5,10 +5,17 @@
     <p:sldMasterId id="2147483648" r:id="rId1"/>
   </p:sldMasterIdLst>
   <p:notesMasterIdLst>
-    <p:notesMasterId r:id="rId3"/>
+    <p:notesMasterId r:id="rId10"/>
   </p:notesMasterIdLst>
   <p:sldIdLst>
     <p:sldId id="256" r:id="rId2"/>
+    <p:sldId id="258" r:id="rId3"/>
+    <p:sldId id="261" r:id="rId4"/>
+    <p:sldId id="262" r:id="rId5"/>
+    <p:sldId id="263" r:id="rId6"/>
+    <p:sldId id="259" r:id="rId7"/>
+    <p:sldId id="260" r:id="rId8"/>
+    <p:sldId id="257" r:id="rId9"/>
   </p:sldIdLst>
   <p:sldSz cx="12192000" cy="6858000"/>
   <p:notesSz cx="6858000" cy="9144000"/>
@@ -107,6 +114,11 @@
       </a:defRPr>
     </a:lvl9pPr>
   </p:defaultTextStyle>
+  <p:extLst>
+    <p:ext uri="{EFAFB233-063F-42B5-8137-9DF3F51BA10A}">
+      <p15:sldGuideLst xmlns:p15="http://schemas.microsoft.com/office/powerpoint/2012/main"/>
+    </p:ext>
+  </p:extLst>
 </p:presentation>
 </file>
 
@@ -192,7 +204,7 @@
           <a:p>
             <a:fld id="{0B583CDE-8CBB-4C52-935B-38056A7590AE}" type="datetimeFigureOut">
               <a:rPr lang="fr-FR" smtClean="0"/>
-              <a:t>11/10/2023</a:t>
+              <a:t>20/10/2023</a:t>
             </a:fld>
             <a:endParaRPr lang="fr-FR"/>
           </a:p>
@@ -548,6 +560,671 @@
 </p:notes>
 </file>
 
+<file path=ppt/notesSlides/notesSlide2.xml><?xml version="1.0" encoding="utf-8"?>
+<p:notes xmlns:a="http://schemas.openxmlformats.org/drawingml/2006/main" xmlns:r="http://schemas.openxmlformats.org/officeDocument/2006/relationships" xmlns:p="http://schemas.openxmlformats.org/presentationml/2006/main">
+  <p:cSld>
+    <p:spTree>
+      <p:nvGrpSpPr>
+        <p:cNvPr id="1" name=""/>
+        <p:cNvGrpSpPr/>
+        <p:nvPr/>
+      </p:nvGrpSpPr>
+      <p:grpSpPr>
+        <a:xfrm>
+          <a:off x="0" y="0"/>
+          <a:ext cx="0" cy="0"/>
+          <a:chOff x="0" y="0"/>
+          <a:chExt cx="0" cy="0"/>
+        </a:xfrm>
+      </p:grpSpPr>
+      <p:sp>
+        <p:nvSpPr>
+          <p:cNvPr id="2" name="Slide Image Placeholder 1"/>
+          <p:cNvSpPr>
+            <a:spLocks noGrp="1" noRot="1" noChangeAspect="1"/>
+          </p:cNvSpPr>
+          <p:nvPr>
+            <p:ph type="sldImg"/>
+          </p:nvPr>
+        </p:nvSpPr>
+        <p:spPr/>
+      </p:sp>
+      <p:sp>
+        <p:nvSpPr>
+          <p:cNvPr id="3" name="Notes Placeholder 2"/>
+          <p:cNvSpPr>
+            <a:spLocks noGrp="1"/>
+          </p:cNvSpPr>
+          <p:nvPr>
+            <p:ph type="body" idx="1"/>
+          </p:nvPr>
+        </p:nvSpPr>
+        <p:spPr/>
+        <p:txBody>
+          <a:bodyPr/>
+          <a:lstStyle/>
+          <a:p>
+            <a:r>
+              <a:rPr lang="fr-FR" sz="1200" b="1" i="0" u="none" strike="noStrike" kern="1200" smtClean="0">
+                <a:solidFill>
+                  <a:schemeClr val="tx1"/>
+                </a:solidFill>
+                <a:effectLst/>
+                <a:latin typeface="+mn-lt"/>
+                <a:ea typeface="+mn-ea"/>
+                <a:cs typeface="+mn-cs"/>
+              </a:rPr>
+              <a:t>Affine Differential Geometry: Geometry of Affine Immersions (Cambridge Tracts in Mathematics, Series Number 111) Hardcover – November 10, 1994</a:t>
+            </a:r>
+          </a:p>
+          <a:p>
+            <a:r>
+              <a:rPr lang="fr-FR" sz="1200" b="0" i="0" kern="1200" smtClean="0">
+                <a:solidFill>
+                  <a:schemeClr val="tx1"/>
+                </a:solidFill>
+                <a:effectLst/>
+                <a:latin typeface="+mn-lt"/>
+                <a:ea typeface="+mn-ea"/>
+                <a:cs typeface="+mn-cs"/>
+              </a:rPr>
+              <a:t>English Edition  by </a:t>
+            </a:r>
+            <a:r>
+              <a:rPr lang="fr-FR" sz="1200" b="0" i="0" u="none" strike="noStrike" kern="1200" smtClean="0">
+                <a:solidFill>
+                  <a:schemeClr val="tx1"/>
+                </a:solidFill>
+                <a:effectLst/>
+                <a:latin typeface="+mn-lt"/>
+                <a:ea typeface="+mn-ea"/>
+                <a:cs typeface="+mn-cs"/>
+                <a:hlinkClick r:id="rId3"/>
+              </a:rPr>
+              <a:t>Katsumi Nomizu</a:t>
+            </a:r>
+            <a:r>
+              <a:rPr lang="fr-FR" sz="1200" b="0" i="0" kern="1200" smtClean="0">
+                <a:solidFill>
+                  <a:schemeClr val="tx1"/>
+                </a:solidFill>
+                <a:effectLst/>
+                <a:latin typeface="+mn-lt"/>
+                <a:ea typeface="+mn-ea"/>
+                <a:cs typeface="+mn-cs"/>
+              </a:rPr>
+              <a:t> (</a:t>
+            </a:r>
+            <a:r>
+              <a:rPr lang="ja-JP" altLang="fr-FR" sz="1200" b="0" i="0" kern="1200" smtClean="0">
+                <a:solidFill>
+                  <a:schemeClr val="tx1"/>
+                </a:solidFill>
+                <a:effectLst/>
+                <a:latin typeface="+mn-lt"/>
+                <a:ea typeface="+mn-ea"/>
+                <a:cs typeface="+mn-cs"/>
+              </a:rPr>
+              <a:t>著</a:t>
+            </a:r>
+            <a:r>
+              <a:rPr lang="fr-FR" altLang="ja-JP" sz="1200" b="0" i="0" kern="1200" smtClean="0">
+                <a:solidFill>
+                  <a:schemeClr val="tx1"/>
+                </a:solidFill>
+                <a:effectLst/>
+                <a:latin typeface="+mn-lt"/>
+                <a:ea typeface="+mn-ea"/>
+                <a:cs typeface="+mn-cs"/>
+              </a:rPr>
+              <a:t>), </a:t>
+            </a:r>
+            <a:r>
+              <a:rPr lang="fr-FR" sz="1200" b="0" i="0" u="none" strike="noStrike" kern="1200" smtClean="0">
+                <a:solidFill>
+                  <a:schemeClr val="tx1"/>
+                </a:solidFill>
+                <a:effectLst/>
+                <a:latin typeface="+mn-lt"/>
+                <a:ea typeface="+mn-ea"/>
+                <a:cs typeface="+mn-cs"/>
+                <a:hlinkClick r:id="rId4"/>
+              </a:rPr>
+              <a:t>Takeshi Sasaki</a:t>
+            </a:r>
+            <a:r>
+              <a:rPr lang="fr-FR" sz="1200" b="0" i="0" kern="1200" smtClean="0">
+                <a:solidFill>
+                  <a:schemeClr val="tx1"/>
+                </a:solidFill>
+                <a:effectLst/>
+                <a:latin typeface="+mn-lt"/>
+                <a:ea typeface="+mn-ea"/>
+                <a:cs typeface="+mn-cs"/>
+              </a:rPr>
+              <a:t> (</a:t>
+            </a:r>
+            <a:r>
+              <a:rPr lang="ja-JP" altLang="fr-FR" sz="1200" b="0" i="0" kern="1200" smtClean="0">
+                <a:solidFill>
+                  <a:schemeClr val="tx1"/>
+                </a:solidFill>
+                <a:effectLst/>
+                <a:latin typeface="+mn-lt"/>
+                <a:ea typeface="+mn-ea"/>
+                <a:cs typeface="+mn-cs"/>
+              </a:rPr>
+              <a:t>著</a:t>
+            </a:r>
+            <a:r>
+              <a:rPr lang="fr-FR" altLang="ja-JP" sz="1200" b="0" i="0" kern="1200" smtClean="0">
+                <a:solidFill>
+                  <a:schemeClr val="tx1"/>
+                </a:solidFill>
+                <a:effectLst/>
+                <a:latin typeface="+mn-lt"/>
+                <a:ea typeface="+mn-ea"/>
+                <a:cs typeface="+mn-cs"/>
+              </a:rPr>
+              <a:t>)</a:t>
+            </a:r>
+            <a:endParaRPr lang="ja-JP" altLang="fr-FR" sz="1200" b="0" i="0" kern="1200" smtClean="0">
+              <a:solidFill>
+                <a:schemeClr val="tx1"/>
+              </a:solidFill>
+              <a:effectLst/>
+              <a:latin typeface="+mn-lt"/>
+              <a:ea typeface="+mn-ea"/>
+              <a:cs typeface="+mn-cs"/>
+            </a:endParaRPr>
+          </a:p>
+          <a:p>
+            <a:r>
+              <a:rPr lang="fr-FR" smtClean="0"/>
+              <a:t>AffDiffGeo-1994</a:t>
+            </a:r>
+          </a:p>
+          <a:p>
+            <a:r>
+              <a:rPr lang="fr-FR" smtClean="0"/>
+              <a:t>https://www.cambridge.org/9780521441773</a:t>
+            </a:r>
+          </a:p>
+          <a:p>
+            <a:endParaRPr lang="en-US" smtClean="0"/>
+          </a:p>
+          <a:p>
+            <a:r>
+              <a:rPr lang="fr-FR" smtClean="0"/>
+              <a:t>https://mathshistory.st-andrews.ac.uk/Biographies/Su_Buqing/</a:t>
+            </a:r>
+          </a:p>
+          <a:p>
+            <a:endParaRPr lang="en-US" smtClean="0"/>
+          </a:p>
+          <a:p>
+            <a:r>
+              <a:rPr lang="fr-FR" smtClean="0"/>
+              <a:t>https://www.degruyter.com/document/doi/10.1515/9783110268898/html?lang=en</a:t>
+            </a:r>
+          </a:p>
+          <a:p>
+            <a:endParaRPr lang="fr-FR"/>
+          </a:p>
+        </p:txBody>
+      </p:sp>
+      <p:sp>
+        <p:nvSpPr>
+          <p:cNvPr id="4" name="Slide Number Placeholder 3"/>
+          <p:cNvSpPr>
+            <a:spLocks noGrp="1"/>
+          </p:cNvSpPr>
+          <p:nvPr>
+            <p:ph type="sldNum" sz="quarter" idx="10"/>
+          </p:nvPr>
+        </p:nvSpPr>
+        <p:spPr/>
+        <p:txBody>
+          <a:bodyPr/>
+          <a:lstStyle/>
+          <a:p>
+            <a:fld id="{27BEA338-1B87-426A-AFFA-8A4E35453392}" type="slidenum">
+              <a:rPr lang="fr-FR" smtClean="0"/>
+              <a:t>4</a:t>
+            </a:fld>
+            <a:endParaRPr lang="fr-FR"/>
+          </a:p>
+        </p:txBody>
+      </p:sp>
+    </p:spTree>
+    <p:extLst>
+      <p:ext uri="{BB962C8B-B14F-4D97-AF65-F5344CB8AC3E}">
+        <p14:creationId xmlns:p14="http://schemas.microsoft.com/office/powerpoint/2010/main" val="2249836092"/>
+      </p:ext>
+    </p:extLst>
+  </p:cSld>
+  <p:clrMapOvr>
+    <a:masterClrMapping/>
+  </p:clrMapOvr>
+</p:notes>
+</file>
+
+<file path=ppt/notesSlides/notesSlide3.xml><?xml version="1.0" encoding="utf-8"?>
+<p:notes xmlns:a="http://schemas.openxmlformats.org/drawingml/2006/main" xmlns:r="http://schemas.openxmlformats.org/officeDocument/2006/relationships" xmlns:p="http://schemas.openxmlformats.org/presentationml/2006/main">
+  <p:cSld>
+    <p:spTree>
+      <p:nvGrpSpPr>
+        <p:cNvPr id="1" name=""/>
+        <p:cNvGrpSpPr/>
+        <p:nvPr/>
+      </p:nvGrpSpPr>
+      <p:grpSpPr>
+        <a:xfrm>
+          <a:off x="0" y="0"/>
+          <a:ext cx="0" cy="0"/>
+          <a:chOff x="0" y="0"/>
+          <a:chExt cx="0" cy="0"/>
+        </a:xfrm>
+      </p:grpSpPr>
+      <p:sp>
+        <p:nvSpPr>
+          <p:cNvPr id="2" name="Slide Image Placeholder 1"/>
+          <p:cNvSpPr>
+            <a:spLocks noGrp="1" noRot="1" noChangeAspect="1"/>
+          </p:cNvSpPr>
+          <p:nvPr>
+            <p:ph type="sldImg"/>
+          </p:nvPr>
+        </p:nvSpPr>
+        <p:spPr/>
+      </p:sp>
+      <p:sp>
+        <p:nvSpPr>
+          <p:cNvPr id="3" name="Notes Placeholder 2"/>
+          <p:cNvSpPr>
+            <a:spLocks noGrp="1"/>
+          </p:cNvSpPr>
+          <p:nvPr>
+            <p:ph type="body" idx="1"/>
+          </p:nvPr>
+        </p:nvSpPr>
+        <p:spPr/>
+        <p:txBody>
+          <a:bodyPr/>
+          <a:lstStyle/>
+          <a:p>
+            <a:r>
+              <a:rPr lang="fr-FR" smtClean="0"/>
+              <a:t>$$</a:t>
+            </a:r>
+          </a:p>
+          <a:p>
+            <a:r>
+              <a:rPr lang="fr-FR" smtClean="0"/>
+              <a:t>\Gamma_f=\left\{ (x,y)\in\bbR^{d+1} \st y=f(x)\right\}</a:t>
+            </a:r>
+          </a:p>
+          <a:p>
+            <a:r>
+              <a:rPr lang="fr-FR" smtClean="0"/>
+              <a:t>$$</a:t>
+            </a:r>
+          </a:p>
+          <a:p>
+            <a:endParaRPr lang="fr-FR" smtClean="0"/>
+          </a:p>
+          <a:p>
+            <a:r>
+              <a:rPr lang="fr-FR" smtClean="0"/>
+              <a:t>$\Gamma_f$ isometric to $(M\subset\bbR^d,g)$ with</a:t>
+            </a:r>
+          </a:p>
+          <a:p>
+            <a:endParaRPr lang="fr-FR" smtClean="0"/>
+          </a:p>
+          <a:p>
+            <a:r>
+              <a:rPr lang="fr-FR" smtClean="0"/>
+              <a:t>$$</a:t>
+            </a:r>
+          </a:p>
+          <a:p>
+            <a:r>
+              <a:rPr lang="fr-FR" smtClean="0"/>
+              <a:t>G=I+\nabla f \nabla f^\top </a:t>
+            </a:r>
+          </a:p>
+          <a:p>
+            <a:r>
+              <a:rPr lang="fr-FR" smtClean="0"/>
+              <a:t>$$</a:t>
+            </a:r>
+            <a:endParaRPr lang="fr-FR"/>
+          </a:p>
+        </p:txBody>
+      </p:sp>
+      <p:sp>
+        <p:nvSpPr>
+          <p:cNvPr id="4" name="Slide Number Placeholder 3"/>
+          <p:cNvSpPr>
+            <a:spLocks noGrp="1"/>
+          </p:cNvSpPr>
+          <p:nvPr>
+            <p:ph type="sldNum" sz="quarter" idx="10"/>
+          </p:nvPr>
+        </p:nvSpPr>
+        <p:spPr/>
+        <p:txBody>
+          <a:bodyPr/>
+          <a:lstStyle/>
+          <a:p>
+            <a:fld id="{27BEA338-1B87-426A-AFFA-8A4E35453392}" type="slidenum">
+              <a:rPr lang="fr-FR" smtClean="0"/>
+              <a:t>5</a:t>
+            </a:fld>
+            <a:endParaRPr lang="fr-FR"/>
+          </a:p>
+        </p:txBody>
+      </p:sp>
+    </p:spTree>
+    <p:extLst>
+      <p:ext uri="{BB962C8B-B14F-4D97-AF65-F5344CB8AC3E}">
+        <p14:creationId xmlns:p14="http://schemas.microsoft.com/office/powerpoint/2010/main" val="137689970"/>
+      </p:ext>
+    </p:extLst>
+  </p:cSld>
+  <p:clrMapOvr>
+    <a:masterClrMapping/>
+  </p:clrMapOvr>
+</p:notes>
+</file>
+
+<file path=ppt/notesSlides/notesSlide4.xml><?xml version="1.0" encoding="utf-8"?>
+<p:notes xmlns:a="http://schemas.openxmlformats.org/drawingml/2006/main" xmlns:r="http://schemas.openxmlformats.org/officeDocument/2006/relationships" xmlns:p="http://schemas.openxmlformats.org/presentationml/2006/main">
+  <p:cSld>
+    <p:spTree>
+      <p:nvGrpSpPr>
+        <p:cNvPr id="1" name=""/>
+        <p:cNvGrpSpPr/>
+        <p:nvPr/>
+      </p:nvGrpSpPr>
+      <p:grpSpPr>
+        <a:xfrm>
+          <a:off x="0" y="0"/>
+          <a:ext cx="0" cy="0"/>
+          <a:chOff x="0" y="0"/>
+          <a:chExt cx="0" cy="0"/>
+        </a:xfrm>
+      </p:grpSpPr>
+      <p:sp>
+        <p:nvSpPr>
+          <p:cNvPr id="2" name="Slide Image Placeholder 1"/>
+          <p:cNvSpPr>
+            <a:spLocks noGrp="1" noRot="1" noChangeAspect="1"/>
+          </p:cNvSpPr>
+          <p:nvPr>
+            <p:ph type="sldImg"/>
+          </p:nvPr>
+        </p:nvSpPr>
+        <p:spPr/>
+      </p:sp>
+      <p:sp>
+        <p:nvSpPr>
+          <p:cNvPr id="3" name="Notes Placeholder 2"/>
+          <p:cNvSpPr>
+            <a:spLocks noGrp="1"/>
+          </p:cNvSpPr>
+          <p:nvPr>
+            <p:ph type="body" idx="1"/>
+          </p:nvPr>
+        </p:nvSpPr>
+        <p:spPr/>
+        <p:txBody>
+          <a:bodyPr/>
+          <a:lstStyle/>
+          <a:p>
+            <a:endParaRPr lang="fr-FR" smtClean="0"/>
+          </a:p>
+          <a:p>
+            <a:r>
+              <a:rPr lang="fr-FR" smtClean="0"/>
+              <a:t>$$</a:t>
+            </a:r>
+          </a:p>
+          <a:p>
+            <a:r>
+              <a:rPr lang="fr-FR" smtClean="0"/>
+              <a:t>\{e_1,\ldots, e_m\}</a:t>
+            </a:r>
+          </a:p>
+          <a:p>
+            <a:r>
+              <a:rPr lang="fr-FR" smtClean="0"/>
+              <a:t>$$</a:t>
+            </a:r>
+          </a:p>
+          <a:p>
+            <a:endParaRPr lang="fr-FR" smtClean="0"/>
+          </a:p>
+          <a:p>
+            <a:r>
+              <a:rPr lang="fr-FR" smtClean="0"/>
+              <a:t>$$</a:t>
+            </a:r>
+          </a:p>
+          <a:p>
+            <a:r>
+              <a:rPr lang="fr-FR" smtClean="0"/>
+              <a:t>\{\dx^1,\ldots, \dx^m\}</a:t>
+            </a:r>
+          </a:p>
+          <a:p>
+            <a:r>
+              <a:rPr lang="fr-FR" smtClean="0"/>
+              <a:t>$$</a:t>
+            </a:r>
+          </a:p>
+          <a:p>
+            <a:r>
+              <a:rPr lang="fr-FR" smtClean="0"/>
+              <a:t>$$</a:t>
+            </a:r>
+          </a:p>
+          <a:p>
+            <a:r>
+              <a:rPr lang="fr-FR" smtClean="0"/>
+              <a:t>\inner{\cdot}{\cdot}</a:t>
+            </a:r>
+          </a:p>
+          <a:p>
+            <a:r>
+              <a:rPr lang="fr-FR" smtClean="0"/>
+              <a:t>$$</a:t>
+            </a:r>
+          </a:p>
+          <a:p>
+            <a:endParaRPr lang="fr-FR" smtClean="0"/>
+          </a:p>
+          <a:p>
+            <a:r>
+              <a:rPr lang="fr-FR" smtClean="0"/>
+              <a:t>$$</a:t>
+            </a:r>
+          </a:p>
+          <a:p>
+            <a:r>
+              <a:rPr lang="fr-FR" smtClean="0"/>
+              <a:t>\dx^i(e_j)=\inner{\dx^i}{e_j}=\delta_{ij}</a:t>
+            </a:r>
+          </a:p>
+          <a:p>
+            <a:r>
+              <a:rPr lang="fr-FR" smtClean="0"/>
+              <a:t>$$</a:t>
+            </a:r>
+          </a:p>
+          <a:p>
+            <a:endParaRPr lang="fr-FR" smtClean="0"/>
+          </a:p>
+          <a:p>
+            <a:r>
+              <a:rPr lang="fr-FR" smtClean="0"/>
+              <a:t> </a:t>
+            </a:r>
+          </a:p>
+          <a:p>
+            <a:endParaRPr lang="fr-FR" smtClean="0"/>
+          </a:p>
+          <a:p>
+            <a:r>
+              <a:rPr lang="fr-FR" smtClean="0"/>
+              <a:t>$$</a:t>
+            </a:r>
+          </a:p>
+          <a:p>
+            <a:r>
+              <a:rPr lang="fr-FR" smtClean="0"/>
+              <a:t>l^1,\ldots, l^k</a:t>
+            </a:r>
+          </a:p>
+          <a:p>
+            <a:r>
+              <a:rPr lang="fr-FR" smtClean="0"/>
+              <a:t>$$</a:t>
+            </a:r>
+          </a:p>
+          <a:p>
+            <a:endParaRPr lang="fr-FR" smtClean="0"/>
+          </a:p>
+          <a:p>
+            <a:r>
+              <a:rPr lang="fr-FR" smtClean="0"/>
+              <a:t>$$</a:t>
+            </a:r>
+          </a:p>
+          <a:p>
+            <a:r>
+              <a:rPr lang="fr-FR" smtClean="0"/>
+              <a:t>v_1,\ldots, v_k</a:t>
+            </a:r>
+          </a:p>
+          <a:p>
+            <a:r>
+              <a:rPr lang="fr-FR" smtClean="0"/>
+              <a:t>$$</a:t>
+            </a:r>
+          </a:p>
+          <a:p>
+            <a:endParaRPr lang="fr-FR" smtClean="0"/>
+          </a:p>
+          <a:p>
+            <a:r>
+              <a:rPr lang="fr-FR" smtClean="0"/>
+              <a:t>$$</a:t>
+            </a:r>
+          </a:p>
+          <a:p>
+            <a:r>
+              <a:rPr lang="fr-FR" smtClean="0"/>
+              <a:t>l^i(v_j)=\inner{l^i}{v_j}=\inner{ \sum_{a=1}^m l^i_a \dx^a}{\sum_{b=1}^m v_j^b e_b}=    \sum_{a=1}^m \sum_{b=1}^m</a:t>
+            </a:r>
+          </a:p>
+          <a:p>
+            <a:r>
+              <a:rPr lang="fr-FR" smtClean="0"/>
+              <a:t>l^i_a v_j^b \inner{\dx^a}{e_b}=\sum_{c=1}^m l^i_c v_j^c </a:t>
+            </a:r>
+          </a:p>
+          <a:p>
+            <a:r>
+              <a:rPr lang="fr-FR" smtClean="0"/>
+              <a:t>$$</a:t>
+            </a:r>
+          </a:p>
+          <a:p>
+            <a:endParaRPr lang="fr-FR" smtClean="0"/>
+          </a:p>
+          <a:p>
+            <a:endParaRPr lang="fr-FR" smtClean="0"/>
+          </a:p>
+          <a:p>
+            <a:r>
+              <a:rPr lang="fr-FR" smtClean="0"/>
+              <a:t>$$</a:t>
+            </a:r>
+          </a:p>
+          <a:p>
+            <a:r>
+              <a:rPr lang="fr-FR" smtClean="0"/>
+              <a:t>(l^1\wedge \ldots\wedge l^k)(v_1,\ldots, v_k)=\det\left([l^i(v_j)]_{ij}\right)</a:t>
+            </a:r>
+          </a:p>
+          <a:p>
+            <a:r>
+              <a:rPr lang="fr-FR" smtClean="0"/>
+              <a:t>$$</a:t>
+            </a:r>
+          </a:p>
+          <a:p>
+            <a:endParaRPr lang="fr-FR" smtClean="0"/>
+          </a:p>
+          <a:p>
+            <a:r>
+              <a:rPr lang="fr-FR" smtClean="0"/>
+              <a:t>$$</a:t>
+            </a:r>
+          </a:p>
+          <a:p>
+            <a:r>
+              <a:rPr lang="fr-FR" smtClean="0"/>
+              <a:t>(\dx^1\wedge \ldots\wedge \dx^m)(e_1,\ldots, e_m)=\det(I_{m,m}) =1</a:t>
+            </a:r>
+          </a:p>
+          <a:p>
+            <a:r>
+              <a:rPr lang="fr-FR" smtClean="0"/>
+              <a:t>$$</a:t>
+            </a:r>
+            <a:endParaRPr lang="fr-FR"/>
+          </a:p>
+        </p:txBody>
+      </p:sp>
+      <p:sp>
+        <p:nvSpPr>
+          <p:cNvPr id="4" name="Slide Number Placeholder 3"/>
+          <p:cNvSpPr>
+            <a:spLocks noGrp="1"/>
+          </p:cNvSpPr>
+          <p:nvPr>
+            <p:ph type="sldNum" sz="quarter" idx="10"/>
+          </p:nvPr>
+        </p:nvSpPr>
+        <p:spPr/>
+        <p:txBody>
+          <a:bodyPr/>
+          <a:lstStyle/>
+          <a:p>
+            <a:fld id="{27BEA338-1B87-426A-AFFA-8A4E35453392}" type="slidenum">
+              <a:rPr lang="fr-FR" smtClean="0"/>
+              <a:t>8</a:t>
+            </a:fld>
+            <a:endParaRPr lang="fr-FR"/>
+          </a:p>
+        </p:txBody>
+      </p:sp>
+    </p:spTree>
+    <p:extLst>
+      <p:ext uri="{BB962C8B-B14F-4D97-AF65-F5344CB8AC3E}">
+        <p14:creationId xmlns:p14="http://schemas.microsoft.com/office/powerpoint/2010/main" val="4145543542"/>
+      </p:ext>
+    </p:extLst>
+  </p:cSld>
+  <p:clrMapOvr>
+    <a:masterClrMapping/>
+  </p:clrMapOvr>
+</p:notes>
+</file>
+
 <file path=ppt/slideLayouts/slideLayout1.xml><?xml version="1.0" encoding="utf-8"?>
 <p:sldLayout xmlns:a="http://schemas.openxmlformats.org/drawingml/2006/main" xmlns:r="http://schemas.openxmlformats.org/officeDocument/2006/relationships" xmlns:p="http://schemas.openxmlformats.org/presentationml/2006/main" type="title" preserve="1">
   <p:cSld name="Title Slide">
@@ -679,7 +1356,7 @@
           <a:p>
             <a:fld id="{62DC736A-803C-4A20-9513-AB9082F9CCB0}" type="datetimeFigureOut">
               <a:rPr lang="fr-FR" smtClean="0"/>
-              <a:t>11/10/2023</a:t>
+              <a:t>20/10/2023</a:t>
             </a:fld>
             <a:endParaRPr lang="fr-FR"/>
           </a:p>
@@ -849,7 +1526,7 @@
           <a:p>
             <a:fld id="{62DC736A-803C-4A20-9513-AB9082F9CCB0}" type="datetimeFigureOut">
               <a:rPr lang="fr-FR" smtClean="0"/>
-              <a:t>11/10/2023</a:t>
+              <a:t>20/10/2023</a:t>
             </a:fld>
             <a:endParaRPr lang="fr-FR"/>
           </a:p>
@@ -1029,7 +1706,7 @@
           <a:p>
             <a:fld id="{62DC736A-803C-4A20-9513-AB9082F9CCB0}" type="datetimeFigureOut">
               <a:rPr lang="fr-FR" smtClean="0"/>
-              <a:t>11/10/2023</a:t>
+              <a:t>20/10/2023</a:t>
             </a:fld>
             <a:endParaRPr lang="fr-FR"/>
           </a:p>
@@ -1199,7 +1876,7 @@
           <a:p>
             <a:fld id="{62DC736A-803C-4A20-9513-AB9082F9CCB0}" type="datetimeFigureOut">
               <a:rPr lang="fr-FR" smtClean="0"/>
-              <a:t>11/10/2023</a:t>
+              <a:t>20/10/2023</a:t>
             </a:fld>
             <a:endParaRPr lang="fr-FR"/>
           </a:p>
@@ -1445,7 +2122,7 @@
           <a:p>
             <a:fld id="{62DC736A-803C-4A20-9513-AB9082F9CCB0}" type="datetimeFigureOut">
               <a:rPr lang="fr-FR" smtClean="0"/>
-              <a:t>11/10/2023</a:t>
+              <a:t>20/10/2023</a:t>
             </a:fld>
             <a:endParaRPr lang="fr-FR"/>
           </a:p>
@@ -1677,7 +2354,7 @@
           <a:p>
             <a:fld id="{62DC736A-803C-4A20-9513-AB9082F9CCB0}" type="datetimeFigureOut">
               <a:rPr lang="fr-FR" smtClean="0"/>
-              <a:t>11/10/2023</a:t>
+              <a:t>20/10/2023</a:t>
             </a:fld>
             <a:endParaRPr lang="fr-FR"/>
           </a:p>
@@ -2044,7 +2721,7 @@
           <a:p>
             <a:fld id="{62DC736A-803C-4A20-9513-AB9082F9CCB0}" type="datetimeFigureOut">
               <a:rPr lang="fr-FR" smtClean="0"/>
-              <a:t>11/10/2023</a:t>
+              <a:t>20/10/2023</a:t>
             </a:fld>
             <a:endParaRPr lang="fr-FR"/>
           </a:p>
@@ -2162,7 +2839,7 @@
           <a:p>
             <a:fld id="{62DC736A-803C-4A20-9513-AB9082F9CCB0}" type="datetimeFigureOut">
               <a:rPr lang="fr-FR" smtClean="0"/>
-              <a:t>11/10/2023</a:t>
+              <a:t>20/10/2023</a:t>
             </a:fld>
             <a:endParaRPr lang="fr-FR"/>
           </a:p>
@@ -2257,7 +2934,7 @@
           <a:p>
             <a:fld id="{62DC736A-803C-4A20-9513-AB9082F9CCB0}" type="datetimeFigureOut">
               <a:rPr lang="fr-FR" smtClean="0"/>
-              <a:t>11/10/2023</a:t>
+              <a:t>20/10/2023</a:t>
             </a:fld>
             <a:endParaRPr lang="fr-FR"/>
           </a:p>
@@ -2534,7 +3211,7 @@
           <a:p>
             <a:fld id="{62DC736A-803C-4A20-9513-AB9082F9CCB0}" type="datetimeFigureOut">
               <a:rPr lang="fr-FR" smtClean="0"/>
-              <a:t>11/10/2023</a:t>
+              <a:t>20/10/2023</a:t>
             </a:fld>
             <a:endParaRPr lang="fr-FR"/>
           </a:p>
@@ -2787,7 +3464,7 @@
           <a:p>
             <a:fld id="{62DC736A-803C-4A20-9513-AB9082F9CCB0}" type="datetimeFigureOut">
               <a:rPr lang="fr-FR" smtClean="0"/>
-              <a:t>11/10/2023</a:t>
+              <a:t>20/10/2023</a:t>
             </a:fld>
             <a:endParaRPr lang="fr-FR"/>
           </a:p>
@@ -3000,7 +3677,7 @@
           <a:p>
             <a:fld id="{62DC736A-803C-4A20-9513-AB9082F9CCB0}" type="datetimeFigureOut">
               <a:rPr lang="fr-FR" smtClean="0"/>
-              <a:t>11/10/2023</a:t>
+              <a:t>20/10/2023</a:t>
             </a:fld>
             <a:endParaRPr lang="fr-FR"/>
           </a:p>
@@ -3617,11 +4294,7 @@
             </a:pPr>
             <a:r>
               <a:rPr lang="en-US" sz="3200" smtClean="0"/>
-              <a:t>Pushfoward vector: </a:t>
-            </a:r>
-            <a:r>
-              <a:rPr lang="en-US" sz="3200" smtClean="0"/>
-              <a:t>f</a:t>
+              <a:t>Pushfoward vector: f</a:t>
             </a:r>
             <a:r>
               <a:rPr lang="en-US" sz="3200" baseline="-25000" smtClean="0"/>
@@ -3681,6 +4354,1583 @@
     <p:extLst>
       <p:ext uri="{BB962C8B-B14F-4D97-AF65-F5344CB8AC3E}">
         <p14:creationId xmlns:p14="http://schemas.microsoft.com/office/powerpoint/2010/main" val="469651991"/>
+      </p:ext>
+    </p:extLst>
+  </p:cSld>
+  <p:clrMapOvr>
+    <a:masterClrMapping/>
+  </p:clrMapOvr>
+  <p:timing>
+    <p:tnLst>
+      <p:par>
+        <p:cTn id="1" dur="indefinite" restart="never" nodeType="tmRoot"/>
+      </p:par>
+    </p:tnLst>
+  </p:timing>
+</p:sld>
+</file>
+
+<file path=ppt/slides/slide2.xml><?xml version="1.0" encoding="utf-8"?>
+<p:sld xmlns:a="http://schemas.openxmlformats.org/drawingml/2006/main" xmlns:r="http://schemas.openxmlformats.org/officeDocument/2006/relationships" xmlns:p="http://schemas.openxmlformats.org/presentationml/2006/main">
+  <p:cSld>
+    <p:spTree>
+      <p:nvGrpSpPr>
+        <p:cNvPr id="1" name=""/>
+        <p:cNvGrpSpPr/>
+        <p:nvPr/>
+      </p:nvGrpSpPr>
+      <p:grpSpPr>
+        <a:xfrm>
+          <a:off x="0" y="0"/>
+          <a:ext cx="0" cy="0"/>
+          <a:chOff x="0" y="0"/>
+          <a:chExt cx="0" cy="0"/>
+        </a:xfrm>
+      </p:grpSpPr>
+      <p:sp>
+        <p:nvSpPr>
+          <p:cNvPr id="2" name="Title 1"/>
+          <p:cNvSpPr>
+            <a:spLocks noGrp="1"/>
+          </p:cNvSpPr>
+          <p:nvPr>
+            <p:ph type="title"/>
+          </p:nvPr>
+        </p:nvSpPr>
+        <p:spPr>
+          <a:xfrm>
+            <a:off x="248653" y="0"/>
+            <a:ext cx="10515600" cy="1325563"/>
+          </a:xfrm>
+        </p:spPr>
+        <p:txBody>
+          <a:bodyPr/>
+          <a:lstStyle/>
+          <a:p>
+            <a:r>
+              <a:rPr lang="en-US" b="1" smtClean="0">
+                <a:solidFill>
+                  <a:schemeClr val="accent1"/>
+                </a:solidFill>
+              </a:rPr>
+              <a:t>Divergences, contrast functions, and yokes</a:t>
+            </a:r>
+            <a:endParaRPr lang="fr-FR" b="1">
+              <a:solidFill>
+                <a:schemeClr val="accent1"/>
+              </a:solidFill>
+            </a:endParaRPr>
+          </a:p>
+        </p:txBody>
+      </p:sp>
+      <p:sp>
+        <p:nvSpPr>
+          <p:cNvPr id="3" name="TextBox 2"/>
+          <p:cNvSpPr txBox="1"/>
+          <p:nvPr/>
+        </p:nvSpPr>
+        <p:spPr>
+          <a:xfrm>
+            <a:off x="1299411" y="1564105"/>
+            <a:ext cx="6102953" cy="369332"/>
+          </a:xfrm>
+          <a:prstGeom prst="rect">
+            <a:avLst/>
+          </a:prstGeom>
+          <a:noFill/>
+        </p:spPr>
+        <p:txBody>
+          <a:bodyPr wrap="none" rtlCol="0">
+            <a:spAutoFit/>
+          </a:bodyPr>
+          <a:lstStyle/>
+          <a:p>
+            <a:r>
+              <a:rPr lang="fr-FR" smtClean="0"/>
+              <a:t>Wait what is a divergence on a manifold... we need pairs, yokes</a:t>
+            </a:r>
+            <a:endParaRPr lang="fr-FR"/>
+          </a:p>
+        </p:txBody>
+      </p:sp>
+      <p:pic>
+        <p:nvPicPr>
+          <p:cNvPr id="4" name="Picture 3"/>
+          <p:cNvPicPr>
+            <a:picLocks noChangeAspect="1"/>
+          </p:cNvPicPr>
+          <p:nvPr/>
+        </p:nvPicPr>
+        <p:blipFill>
+          <a:blip r:embed="rId2">
+            <a:extLst>
+              <a:ext uri="{28A0092B-C50C-407E-A947-70E740481C1C}">
+                <a14:useLocalDpi xmlns:a14="http://schemas.microsoft.com/office/drawing/2010/main" val="0"/>
+              </a:ext>
+            </a:extLst>
+          </a:blip>
+          <a:stretch>
+            <a:fillRect/>
+          </a:stretch>
+        </p:blipFill>
+        <p:spPr>
+          <a:xfrm>
+            <a:off x="1627882" y="2340421"/>
+            <a:ext cx="3191370" cy="1714221"/>
+          </a:xfrm>
+          <a:prstGeom prst="rect">
+            <a:avLst/>
+          </a:prstGeom>
+        </p:spPr>
+      </p:pic>
+      <p:pic>
+        <p:nvPicPr>
+          <p:cNvPr id="5" name="Picture 4"/>
+          <p:cNvPicPr>
+            <a:picLocks noChangeAspect="1"/>
+          </p:cNvPicPr>
+          <p:nvPr/>
+        </p:nvPicPr>
+        <p:blipFill>
+          <a:blip r:embed="rId3"/>
+          <a:stretch>
+            <a:fillRect/>
+          </a:stretch>
+        </p:blipFill>
+        <p:spPr>
+          <a:xfrm>
+            <a:off x="5334250" y="3029089"/>
+            <a:ext cx="5686425" cy="3495675"/>
+          </a:xfrm>
+          <a:prstGeom prst="rect">
+            <a:avLst/>
+          </a:prstGeom>
+        </p:spPr>
+      </p:pic>
+    </p:spTree>
+    <p:extLst>
+      <p:ext uri="{BB962C8B-B14F-4D97-AF65-F5344CB8AC3E}">
+        <p14:creationId xmlns:p14="http://schemas.microsoft.com/office/powerpoint/2010/main" val="3277807287"/>
+      </p:ext>
+    </p:extLst>
+  </p:cSld>
+  <p:clrMapOvr>
+    <a:masterClrMapping/>
+  </p:clrMapOvr>
+  <p:timing>
+    <p:tnLst>
+      <p:par>
+        <p:cTn id="1" dur="indefinite" restart="never" nodeType="tmRoot"/>
+      </p:par>
+    </p:tnLst>
+  </p:timing>
+</p:sld>
+</file>
+
+<file path=ppt/slides/slide3.xml><?xml version="1.0" encoding="utf-8"?>
+<p:sld xmlns:a="http://schemas.openxmlformats.org/drawingml/2006/main" xmlns:r="http://schemas.openxmlformats.org/officeDocument/2006/relationships" xmlns:p="http://schemas.openxmlformats.org/presentationml/2006/main">
+  <p:cSld>
+    <p:spTree>
+      <p:nvGrpSpPr>
+        <p:cNvPr id="1" name=""/>
+        <p:cNvGrpSpPr/>
+        <p:nvPr/>
+      </p:nvGrpSpPr>
+      <p:grpSpPr>
+        <a:xfrm>
+          <a:off x="0" y="0"/>
+          <a:ext cx="0" cy="0"/>
+          <a:chOff x="0" y="0"/>
+          <a:chExt cx="0" cy="0"/>
+        </a:xfrm>
+      </p:grpSpPr>
+      <p:sp>
+        <p:nvSpPr>
+          <p:cNvPr id="3" name="Title 1"/>
+          <p:cNvSpPr txBox="1">
+            <a:spLocks/>
+          </p:cNvSpPr>
+          <p:nvPr/>
+        </p:nvSpPr>
+        <p:spPr>
+          <a:xfrm>
+            <a:off x="0" y="0"/>
+            <a:ext cx="10515600" cy="1325563"/>
+          </a:xfrm>
+          <a:prstGeom prst="rect">
+            <a:avLst/>
+          </a:prstGeom>
+        </p:spPr>
+        <p:txBody>
+          <a:bodyPr vert="horz" lIns="91440" tIns="45720" rIns="91440" bIns="45720" rtlCol="0" anchor="ctr">
+            <a:normAutofit/>
+          </a:bodyPr>
+          <a:lstStyle>
+            <a:lvl1pPr algn="l" defTabSz="914400" rtl="0" eaLnBrk="1" latinLnBrk="0" hangingPunct="1">
+              <a:lnSpc>
+                <a:spcPct val="90000"/>
+              </a:lnSpc>
+              <a:spcBef>
+                <a:spcPct val="0"/>
+              </a:spcBef>
+              <a:buNone/>
+              <a:defRPr sz="4400" kern="1200">
+                <a:solidFill>
+                  <a:schemeClr val="tx1"/>
+                </a:solidFill>
+                <a:latin typeface="+mj-lt"/>
+                <a:ea typeface="+mj-ea"/>
+                <a:cs typeface="+mj-cs"/>
+              </a:defRPr>
+            </a:lvl1pPr>
+          </a:lstStyle>
+          <a:p>
+            <a:r>
+              <a:rPr lang="en-US" b="1" smtClean="0">
+                <a:solidFill>
+                  <a:schemeClr val="accent1"/>
+                </a:solidFill>
+              </a:rPr>
+              <a:t>Divergences vs contrast functions/yokes</a:t>
+            </a:r>
+            <a:endParaRPr lang="fr-FR" b="1">
+              <a:solidFill>
+                <a:schemeClr val="accent1"/>
+              </a:solidFill>
+            </a:endParaRPr>
+          </a:p>
+        </p:txBody>
+      </p:sp>
+      <p:pic>
+        <p:nvPicPr>
+          <p:cNvPr id="5" name="Picture 4"/>
+          <p:cNvPicPr>
+            <a:picLocks noChangeAspect="1"/>
+          </p:cNvPicPr>
+          <p:nvPr/>
+        </p:nvPicPr>
+        <p:blipFill>
+          <a:blip r:embed="rId2"/>
+          <a:stretch>
+            <a:fillRect/>
+          </a:stretch>
+        </p:blipFill>
+        <p:spPr>
+          <a:xfrm>
+            <a:off x="9535282" y="40536"/>
+            <a:ext cx="2471982" cy="1519627"/>
+          </a:xfrm>
+          <a:prstGeom prst="rect">
+            <a:avLst/>
+          </a:prstGeom>
+        </p:spPr>
+      </p:pic>
+      <p:sp>
+        <p:nvSpPr>
+          <p:cNvPr id="6" name="TextBox 5"/>
+          <p:cNvSpPr txBox="1"/>
+          <p:nvPr/>
+        </p:nvSpPr>
+        <p:spPr>
+          <a:xfrm>
+            <a:off x="276726" y="1082200"/>
+            <a:ext cx="11730538" cy="2585323"/>
+          </a:xfrm>
+          <a:prstGeom prst="rect">
+            <a:avLst/>
+          </a:prstGeom>
+          <a:noFill/>
+        </p:spPr>
+        <p:txBody>
+          <a:bodyPr wrap="square" rtlCol="0">
+            <a:spAutoFit/>
+          </a:bodyPr>
+          <a:lstStyle/>
+          <a:p>
+            <a:pPr marL="342900" indent="-342900">
+              <a:buFont typeface="Arial" panose="020B0604020202020204" pitchFamily="34" charset="0"/>
+              <a:buChar char="•"/>
+            </a:pPr>
+            <a:r>
+              <a:rPr lang="en-US" sz="2400" smtClean="0"/>
+              <a:t>A </a:t>
+            </a:r>
+            <a:r>
+              <a:rPr lang="en-US" sz="2400" b="1" smtClean="0">
+                <a:solidFill>
+                  <a:srgbClr val="FF0000"/>
+                </a:solidFill>
+              </a:rPr>
+              <a:t>smooth dissimilarity</a:t>
+            </a:r>
+            <a:r>
+              <a:rPr lang="en-US" sz="2400" smtClean="0"/>
+              <a:t> function D(p,q) is called a </a:t>
+            </a:r>
+            <a:r>
+              <a:rPr lang="en-US" sz="2400" b="1" smtClean="0">
+                <a:solidFill>
+                  <a:srgbClr val="FF0000"/>
+                </a:solidFill>
+              </a:rPr>
+              <a:t>divergence</a:t>
+            </a:r>
+          </a:p>
+          <a:p>
+            <a:pPr marL="342900" indent="-342900">
+              <a:buFont typeface="Arial" panose="020B0604020202020204" pitchFamily="34" charset="0"/>
+              <a:buChar char="•"/>
+            </a:pPr>
+            <a:r>
+              <a:rPr lang="en-US" sz="2400" smtClean="0"/>
+              <a:t>A divergence is a biparametric function interpreted geometrically as a function on </a:t>
+            </a:r>
+          </a:p>
+          <a:p>
+            <a:r>
+              <a:rPr lang="en-US" sz="2400" smtClean="0"/>
+              <a:t>the </a:t>
+            </a:r>
+            <a:r>
+              <a:rPr lang="en-US" sz="2400" b="1" smtClean="0">
+                <a:solidFill>
+                  <a:srgbClr val="FF0000"/>
+                </a:solidFill>
+              </a:rPr>
+              <a:t>product manifold</a:t>
+            </a:r>
+            <a:r>
+              <a:rPr lang="en-US" sz="2400" smtClean="0"/>
+              <a:t> MxM called a </a:t>
+            </a:r>
+            <a:r>
+              <a:rPr lang="en-US" sz="2400" b="1" smtClean="0">
+                <a:solidFill>
+                  <a:srgbClr val="FF0000"/>
+                </a:solidFill>
+              </a:rPr>
+              <a:t>contrast function</a:t>
+            </a:r>
+            <a:r>
+              <a:rPr lang="en-US" sz="2400" smtClean="0"/>
+              <a:t> or </a:t>
+            </a:r>
+            <a:r>
+              <a:rPr lang="en-US" sz="2400" b="1" smtClean="0">
+                <a:solidFill>
+                  <a:srgbClr val="FF0000"/>
+                </a:solidFill>
+              </a:rPr>
+              <a:t>yoke </a:t>
+            </a:r>
+          </a:p>
+          <a:p>
+            <a:r>
+              <a:rPr lang="en-US" sz="2400" smtClean="0"/>
+              <a:t>(yoke= </a:t>
+            </a:r>
+            <a:r>
+              <a:rPr lang="en-US" sz="2400"/>
+              <a:t>wooden beam used between a pair of </a:t>
+            </a:r>
+            <a:r>
+              <a:rPr lang="en-US" sz="2400"/>
+              <a:t>working </a:t>
+            </a:r>
+            <a:r>
+              <a:rPr lang="en-US" sz="2400" smtClean="0"/>
+              <a:t>animals </a:t>
+            </a:r>
+            <a:r>
+              <a:rPr lang="en-US" sz="2400"/>
+              <a:t>to pull </a:t>
+            </a:r>
+            <a:r>
+              <a:rPr lang="en-US" sz="2400"/>
+              <a:t>together </a:t>
+            </a:r>
+            <a:r>
+              <a:rPr lang="en-US" sz="2400" smtClean="0"/>
+              <a:t>load)</a:t>
+            </a:r>
+            <a:endParaRPr lang="en-US" sz="2400"/>
+          </a:p>
+          <a:p>
+            <a:pPr marL="342900" indent="-342900">
+              <a:buFont typeface="Arial" panose="020B0604020202020204" pitchFamily="34" charset="0"/>
+              <a:buChar char="•"/>
+            </a:pPr>
+            <a:r>
+              <a:rPr lang="en-US" sz="2400" smtClean="0"/>
+              <a:t>The contrast function/yoke vanishes on the </a:t>
+            </a:r>
+            <a:r>
+              <a:rPr lang="en-US" sz="2400" b="1" smtClean="0">
+                <a:solidFill>
+                  <a:srgbClr val="FF0000"/>
+                </a:solidFill>
+              </a:rPr>
+              <a:t>diagonal  </a:t>
+            </a:r>
+            <a:r>
+              <a:rPr lang="el-GR" sz="2400" b="1">
+                <a:solidFill>
+                  <a:srgbClr val="FF0000"/>
+                </a:solidFill>
+              </a:rPr>
+              <a:t>Δ</a:t>
+            </a:r>
+            <a:r>
+              <a:rPr lang="en-US" sz="2400" b="1" baseline="-25000" smtClean="0">
+                <a:solidFill>
+                  <a:srgbClr val="FF0000"/>
+                </a:solidFill>
+              </a:rPr>
+              <a:t>M</a:t>
+            </a:r>
+            <a:r>
+              <a:rPr lang="en-US" sz="2400" b="1" smtClean="0">
+                <a:solidFill>
+                  <a:srgbClr val="FF0000"/>
+                </a:solidFill>
+              </a:rPr>
+              <a:t> of the product manifold</a:t>
+            </a:r>
+          </a:p>
+          <a:p>
+            <a:pPr marL="342900" indent="-342900">
+              <a:buFont typeface="Arial" panose="020B0604020202020204" pitchFamily="34" charset="0"/>
+              <a:buChar char="•"/>
+            </a:pPr>
+            <a:r>
+              <a:rPr lang="en-US" sz="2400" smtClean="0"/>
+              <a:t>A contrast function or yoke induces a </a:t>
+            </a:r>
+            <a:r>
+              <a:rPr lang="en-US" sz="2400" b="1" smtClean="0">
+                <a:solidFill>
+                  <a:srgbClr val="FF0000"/>
+                </a:solidFill>
+              </a:rPr>
+              <a:t>statistical structure</a:t>
+            </a:r>
+            <a:r>
+              <a:rPr lang="en-US" sz="2400" smtClean="0"/>
+              <a:t> on a manifold</a:t>
+            </a:r>
+          </a:p>
+          <a:p>
+            <a:endParaRPr lang="fr-FR"/>
+          </a:p>
+        </p:txBody>
+      </p:sp>
+      <p:pic>
+        <p:nvPicPr>
+          <p:cNvPr id="8" name="Picture 7"/>
+          <p:cNvPicPr>
+            <a:picLocks noChangeAspect="1"/>
+          </p:cNvPicPr>
+          <p:nvPr/>
+        </p:nvPicPr>
+        <p:blipFill>
+          <a:blip r:embed="rId3"/>
+          <a:stretch>
+            <a:fillRect/>
+          </a:stretch>
+        </p:blipFill>
+        <p:spPr>
+          <a:xfrm>
+            <a:off x="1720516" y="3465225"/>
+            <a:ext cx="9288380" cy="2957029"/>
+          </a:xfrm>
+          <a:prstGeom prst="rect">
+            <a:avLst/>
+          </a:prstGeom>
+        </p:spPr>
+      </p:pic>
+      <p:sp>
+        <p:nvSpPr>
+          <p:cNvPr id="9" name="TextBox 8"/>
+          <p:cNvSpPr txBox="1"/>
+          <p:nvPr/>
+        </p:nvSpPr>
+        <p:spPr>
+          <a:xfrm>
+            <a:off x="3221339" y="6457890"/>
+            <a:ext cx="8970661" cy="400110"/>
+          </a:xfrm>
+          <a:prstGeom prst="rect">
+            <a:avLst/>
+          </a:prstGeom>
+          <a:noFill/>
+        </p:spPr>
+        <p:txBody>
+          <a:bodyPr wrap="none" rtlCol="0">
+            <a:spAutoFit/>
+          </a:bodyPr>
+          <a:lstStyle/>
+          <a:p>
+            <a:r>
+              <a:rPr lang="en-US" sz="2000" b="1" smtClean="0">
+                <a:solidFill>
+                  <a:schemeClr val="accent6"/>
+                </a:solidFill>
+              </a:rPr>
+              <a:t>An </a:t>
+            </a:r>
+            <a:r>
+              <a:rPr lang="en-US" sz="2000" b="1">
+                <a:solidFill>
+                  <a:schemeClr val="accent6"/>
+                </a:solidFill>
+              </a:rPr>
+              <a:t>elementary introduction to information geometry." </a:t>
+            </a:r>
+            <a:r>
+              <a:rPr lang="en-US" sz="2000" b="1" i="1">
+                <a:solidFill>
+                  <a:schemeClr val="accent6"/>
+                </a:solidFill>
+              </a:rPr>
+              <a:t>Entropy</a:t>
+            </a:r>
+            <a:r>
+              <a:rPr lang="en-US" sz="2000" b="1">
+                <a:solidFill>
+                  <a:schemeClr val="accent6"/>
+                </a:solidFill>
+              </a:rPr>
+              <a:t> 22.10 (2020): 1100.</a:t>
+            </a:r>
+            <a:endParaRPr lang="fr-FR" sz="2000" b="1">
+              <a:solidFill>
+                <a:schemeClr val="accent6"/>
+              </a:solidFill>
+            </a:endParaRPr>
+          </a:p>
+        </p:txBody>
+      </p:sp>
+    </p:spTree>
+    <p:extLst>
+      <p:ext uri="{BB962C8B-B14F-4D97-AF65-F5344CB8AC3E}">
+        <p14:creationId xmlns:p14="http://schemas.microsoft.com/office/powerpoint/2010/main" val="1994975795"/>
+      </p:ext>
+    </p:extLst>
+  </p:cSld>
+  <p:clrMapOvr>
+    <a:masterClrMapping/>
+  </p:clrMapOvr>
+  <p:timing>
+    <p:tnLst>
+      <p:par>
+        <p:cTn id="1" dur="indefinite" restart="never" nodeType="tmRoot"/>
+      </p:par>
+    </p:tnLst>
+  </p:timing>
+</p:sld>
+</file>
+
+<file path=ppt/slides/slide4.xml><?xml version="1.0" encoding="utf-8"?>
+<p:sld xmlns:a="http://schemas.openxmlformats.org/drawingml/2006/main" xmlns:r="http://schemas.openxmlformats.org/officeDocument/2006/relationships" xmlns:p="http://schemas.openxmlformats.org/presentationml/2006/main">
+  <p:cSld>
+    <p:spTree>
+      <p:nvGrpSpPr>
+        <p:cNvPr id="1" name=""/>
+        <p:cNvGrpSpPr/>
+        <p:nvPr/>
+      </p:nvGrpSpPr>
+      <p:grpSpPr>
+        <a:xfrm>
+          <a:off x="0" y="0"/>
+          <a:ext cx="0" cy="0"/>
+          <a:chOff x="0" y="0"/>
+          <a:chExt cx="0" cy="0"/>
+        </a:xfrm>
+      </p:grpSpPr>
+      <p:sp>
+        <p:nvSpPr>
+          <p:cNvPr id="2" name="Title 1"/>
+          <p:cNvSpPr>
+            <a:spLocks noGrp="1"/>
+          </p:cNvSpPr>
+          <p:nvPr>
+            <p:ph type="title"/>
+          </p:nvPr>
+        </p:nvSpPr>
+        <p:spPr/>
+        <p:txBody>
+          <a:bodyPr/>
+          <a:lstStyle/>
+          <a:p>
+            <a:endParaRPr lang="fr-FR"/>
+          </a:p>
+        </p:txBody>
+      </p:sp>
+      <p:pic>
+        <p:nvPicPr>
+          <p:cNvPr id="1026" name="Picture 2" descr="book: Global Affine Differential Geometry of Hypersurfaces"/>
+          <p:cNvPicPr>
+            <a:picLocks noChangeAspect="1" noChangeArrowheads="1"/>
+          </p:cNvPicPr>
+          <p:nvPr/>
+        </p:nvPicPr>
+        <p:blipFill>
+          <a:blip r:embed="rId3" cstate="print">
+            <a:extLst>
+              <a:ext uri="{28A0092B-C50C-407E-A947-70E740481C1C}">
+                <a14:useLocalDpi xmlns:a14="http://schemas.microsoft.com/office/drawing/2010/main" val="0"/>
+              </a:ext>
+            </a:extLst>
+          </a:blip>
+          <a:srcRect/>
+          <a:stretch>
+            <a:fillRect/>
+          </a:stretch>
+        </p:blipFill>
+        <p:spPr bwMode="auto">
+          <a:xfrm>
+            <a:off x="8609423" y="1839074"/>
+            <a:ext cx="3270947" cy="4603858"/>
+          </a:xfrm>
+          <a:prstGeom prst="rect">
+            <a:avLst/>
+          </a:prstGeom>
+          <a:noFill/>
+          <a:extLst>
+            <a:ext uri="{909E8E84-426E-40DD-AFC4-6F175D3DCCD1}">
+              <a14:hiddenFill xmlns:a14="http://schemas.microsoft.com/office/drawing/2010/main">
+                <a:solidFill>
+                  <a:srgbClr val="FFFFFF"/>
+                </a:solidFill>
+              </a14:hiddenFill>
+            </a:ext>
+          </a:extLst>
+        </p:spPr>
+      </p:pic>
+      <p:pic>
+        <p:nvPicPr>
+          <p:cNvPr id="1028" name="Picture 4" descr="Affine Differential Geometry"/>
+          <p:cNvPicPr>
+            <a:picLocks noChangeAspect="1" noChangeArrowheads="1"/>
+          </p:cNvPicPr>
+          <p:nvPr/>
+        </p:nvPicPr>
+        <p:blipFill>
+          <a:blip r:embed="rId4">
+            <a:extLst>
+              <a:ext uri="{28A0092B-C50C-407E-A947-70E740481C1C}">
+                <a14:useLocalDpi xmlns:a14="http://schemas.microsoft.com/office/drawing/2010/main" val="0"/>
+              </a:ext>
+            </a:extLst>
+          </a:blip>
+          <a:srcRect/>
+          <a:stretch>
+            <a:fillRect/>
+          </a:stretch>
+        </p:blipFill>
+        <p:spPr bwMode="auto">
+          <a:xfrm>
+            <a:off x="598834" y="1839074"/>
+            <a:ext cx="3087867" cy="4631802"/>
+          </a:xfrm>
+          <a:prstGeom prst="rect">
+            <a:avLst/>
+          </a:prstGeom>
+          <a:noFill/>
+          <a:extLst>
+            <a:ext uri="{909E8E84-426E-40DD-AFC4-6F175D3DCCD1}">
+              <a14:hiddenFill xmlns:a14="http://schemas.microsoft.com/office/drawing/2010/main">
+                <a:solidFill>
+                  <a:srgbClr val="FFFFFF"/>
+                </a:solidFill>
+              </a14:hiddenFill>
+            </a:ext>
+          </a:extLst>
+        </p:spPr>
+      </p:pic>
+      <p:pic>
+        <p:nvPicPr>
+          <p:cNvPr id="1030" name="Picture 6" descr="Affine differential geometry | WorldCat.org"/>
+          <p:cNvPicPr>
+            <a:picLocks noChangeAspect="1" noChangeArrowheads="1"/>
+          </p:cNvPicPr>
+          <p:nvPr/>
+        </p:nvPicPr>
+        <p:blipFill>
+          <a:blip r:embed="rId5">
+            <a:extLst>
+              <a:ext uri="{28A0092B-C50C-407E-A947-70E740481C1C}">
+                <a14:useLocalDpi xmlns:a14="http://schemas.microsoft.com/office/drawing/2010/main" val="0"/>
+              </a:ext>
+            </a:extLst>
+          </a:blip>
+          <a:srcRect/>
+          <a:stretch>
+            <a:fillRect/>
+          </a:stretch>
+        </p:blipFill>
+        <p:spPr bwMode="auto">
+          <a:xfrm>
+            <a:off x="4600547" y="1853046"/>
+            <a:ext cx="3095030" cy="4603858"/>
+          </a:xfrm>
+          <a:prstGeom prst="rect">
+            <a:avLst/>
+          </a:prstGeom>
+          <a:noFill/>
+          <a:extLst>
+            <a:ext uri="{909E8E84-426E-40DD-AFC4-6F175D3DCCD1}">
+              <a14:hiddenFill xmlns:a14="http://schemas.microsoft.com/office/drawing/2010/main">
+                <a:solidFill>
+                  <a:srgbClr val="FFFFFF"/>
+                </a:solidFill>
+              </a14:hiddenFill>
+            </a:ext>
+          </a:extLst>
+        </p:spPr>
+      </p:pic>
+    </p:spTree>
+    <p:extLst>
+      <p:ext uri="{BB962C8B-B14F-4D97-AF65-F5344CB8AC3E}">
+        <p14:creationId xmlns:p14="http://schemas.microsoft.com/office/powerpoint/2010/main" val="1768486504"/>
+      </p:ext>
+    </p:extLst>
+  </p:cSld>
+  <p:clrMapOvr>
+    <a:masterClrMapping/>
+  </p:clrMapOvr>
+</p:sld>
+</file>
+
+<file path=ppt/slides/slide5.xml><?xml version="1.0" encoding="utf-8"?>
+<p:sld xmlns:a="http://schemas.openxmlformats.org/drawingml/2006/main" xmlns:r="http://schemas.openxmlformats.org/officeDocument/2006/relationships" xmlns:p="http://schemas.openxmlformats.org/presentationml/2006/main">
+  <p:cSld>
+    <p:spTree>
+      <p:nvGrpSpPr>
+        <p:cNvPr id="1" name=""/>
+        <p:cNvGrpSpPr/>
+        <p:nvPr/>
+      </p:nvGrpSpPr>
+      <p:grpSpPr>
+        <a:xfrm>
+          <a:off x="0" y="0"/>
+          <a:ext cx="0" cy="0"/>
+          <a:chOff x="0" y="0"/>
+          <a:chExt cx="0" cy="0"/>
+        </a:xfrm>
+      </p:grpSpPr>
+      <p:sp>
+        <p:nvSpPr>
+          <p:cNvPr id="2" name="Title 1"/>
+          <p:cNvSpPr>
+            <a:spLocks noGrp="1"/>
+          </p:cNvSpPr>
+          <p:nvPr>
+            <p:ph type="title"/>
+          </p:nvPr>
+        </p:nvSpPr>
+        <p:spPr/>
+        <p:txBody>
+          <a:bodyPr/>
+          <a:lstStyle/>
+          <a:p>
+            <a:r>
+              <a:rPr lang="en-US" b="1" smtClean="0">
+                <a:solidFill>
+                  <a:schemeClr val="accent1"/>
+                </a:solidFill>
+              </a:rPr>
+              <a:t>Graph of a function as a Riemannian manifold</a:t>
+            </a:r>
+            <a:endParaRPr lang="fr-FR" b="1">
+              <a:solidFill>
+                <a:schemeClr val="accent1"/>
+              </a:solidFill>
+            </a:endParaRPr>
+          </a:p>
+        </p:txBody>
+      </p:sp>
+      <p:pic>
+        <p:nvPicPr>
+          <p:cNvPr id="3" name="Picture 2"/>
+          <p:cNvPicPr>
+            <a:picLocks noChangeAspect="1"/>
+          </p:cNvPicPr>
+          <p:nvPr/>
+        </p:nvPicPr>
+        <p:blipFill>
+          <a:blip r:embed="rId3"/>
+          <a:stretch>
+            <a:fillRect/>
+          </a:stretch>
+        </p:blipFill>
+        <p:spPr>
+          <a:xfrm>
+            <a:off x="5704784" y="1585258"/>
+            <a:ext cx="5019675" cy="628650"/>
+          </a:xfrm>
+          <a:prstGeom prst="rect">
+            <a:avLst/>
+          </a:prstGeom>
+        </p:spPr>
+      </p:pic>
+      <p:sp>
+        <p:nvSpPr>
+          <p:cNvPr id="4" name="TextBox 3"/>
+          <p:cNvSpPr txBox="1"/>
+          <p:nvPr/>
+        </p:nvSpPr>
+        <p:spPr>
+          <a:xfrm>
+            <a:off x="1027416" y="1690688"/>
+            <a:ext cx="4488152" cy="523220"/>
+          </a:xfrm>
+          <a:prstGeom prst="rect">
+            <a:avLst/>
+          </a:prstGeom>
+          <a:noFill/>
+        </p:spPr>
+        <p:txBody>
+          <a:bodyPr wrap="none" rtlCol="0">
+            <a:spAutoFit/>
+          </a:bodyPr>
+          <a:lstStyle/>
+          <a:p>
+            <a:r>
+              <a:rPr lang="en-US" sz="2800" smtClean="0"/>
+              <a:t>Graph of a d-variate function:</a:t>
+            </a:r>
+            <a:endParaRPr lang="fr-FR" sz="2800"/>
+          </a:p>
+        </p:txBody>
+      </p:sp>
+      <p:sp>
+        <p:nvSpPr>
+          <p:cNvPr id="5" name="TextBox 4"/>
+          <p:cNvSpPr txBox="1"/>
+          <p:nvPr/>
+        </p:nvSpPr>
+        <p:spPr>
+          <a:xfrm>
+            <a:off x="1027416" y="2613650"/>
+            <a:ext cx="8532529" cy="523220"/>
+          </a:xfrm>
+          <a:prstGeom prst="rect">
+            <a:avLst/>
+          </a:prstGeom>
+          <a:noFill/>
+        </p:spPr>
+        <p:txBody>
+          <a:bodyPr wrap="none" rtlCol="0">
+            <a:spAutoFit/>
+          </a:bodyPr>
+          <a:lstStyle/>
+          <a:p>
+            <a:r>
+              <a:rPr lang="en-US" sz="2800" smtClean="0"/>
+              <a:t>An extrinsic topological manifold of R</a:t>
+            </a:r>
+            <a:r>
+              <a:rPr lang="en-US" sz="2800" baseline="30000" smtClean="0"/>
+              <a:t>d+1 </a:t>
+            </a:r>
+            <a:r>
+              <a:rPr lang="en-US" sz="2800"/>
+              <a:t>of codimension 1</a:t>
+            </a:r>
+            <a:endParaRPr lang="fr-FR" sz="2800"/>
+          </a:p>
+        </p:txBody>
+      </p:sp>
+      <p:sp>
+        <p:nvSpPr>
+          <p:cNvPr id="6" name="TextBox 5"/>
+          <p:cNvSpPr txBox="1"/>
+          <p:nvPr/>
+        </p:nvSpPr>
+        <p:spPr>
+          <a:xfrm>
+            <a:off x="945208" y="3690724"/>
+            <a:ext cx="10097572" cy="523220"/>
+          </a:xfrm>
+          <a:prstGeom prst="rect">
+            <a:avLst/>
+          </a:prstGeom>
+          <a:noFill/>
+        </p:spPr>
+        <p:txBody>
+          <a:bodyPr wrap="none" rtlCol="0">
+            <a:spAutoFit/>
+          </a:bodyPr>
+          <a:lstStyle/>
+          <a:p>
+            <a:r>
+              <a:rPr lang="en-US" sz="2800" smtClean="0"/>
+              <a:t>Can be interpreted as a d-dimensional intrinsic manifold with metric:</a:t>
+            </a:r>
+            <a:endParaRPr lang="fr-FR" sz="2800" baseline="30000"/>
+          </a:p>
+        </p:txBody>
+      </p:sp>
+      <p:pic>
+        <p:nvPicPr>
+          <p:cNvPr id="7" name="Picture 6"/>
+          <p:cNvPicPr>
+            <a:picLocks noChangeAspect="1"/>
+          </p:cNvPicPr>
+          <p:nvPr/>
+        </p:nvPicPr>
+        <p:blipFill>
+          <a:blip r:embed="rId4"/>
+          <a:stretch>
+            <a:fillRect/>
+          </a:stretch>
+        </p:blipFill>
+        <p:spPr>
+          <a:xfrm>
+            <a:off x="945208" y="4613686"/>
+            <a:ext cx="2609850" cy="657225"/>
+          </a:xfrm>
+          <a:prstGeom prst="rect">
+            <a:avLst/>
+          </a:prstGeom>
+        </p:spPr>
+      </p:pic>
+    </p:spTree>
+    <p:extLst>
+      <p:ext uri="{BB962C8B-B14F-4D97-AF65-F5344CB8AC3E}">
+        <p14:creationId xmlns:p14="http://schemas.microsoft.com/office/powerpoint/2010/main" val="1507315073"/>
+      </p:ext>
+    </p:extLst>
+  </p:cSld>
+  <p:clrMapOvr>
+    <a:masterClrMapping/>
+  </p:clrMapOvr>
+</p:sld>
+</file>
+
+<file path=ppt/slides/slide6.xml><?xml version="1.0" encoding="utf-8"?>
+<p:sld xmlns:a="http://schemas.openxmlformats.org/drawingml/2006/main" xmlns:r="http://schemas.openxmlformats.org/officeDocument/2006/relationships" xmlns:p="http://schemas.openxmlformats.org/presentationml/2006/main">
+  <p:cSld>
+    <p:spTree>
+      <p:nvGrpSpPr>
+        <p:cNvPr id="1" name=""/>
+        <p:cNvGrpSpPr/>
+        <p:nvPr/>
+      </p:nvGrpSpPr>
+      <p:grpSpPr>
+        <a:xfrm>
+          <a:off x="0" y="0"/>
+          <a:ext cx="0" cy="0"/>
+          <a:chOff x="0" y="0"/>
+          <a:chExt cx="0" cy="0"/>
+        </a:xfrm>
+      </p:grpSpPr>
+      <p:sp>
+        <p:nvSpPr>
+          <p:cNvPr id="2" name="Title 1"/>
+          <p:cNvSpPr>
+            <a:spLocks noGrp="1"/>
+          </p:cNvSpPr>
+          <p:nvPr>
+            <p:ph type="title"/>
+          </p:nvPr>
+        </p:nvSpPr>
+        <p:spPr/>
+        <p:txBody>
+          <a:bodyPr/>
+          <a:lstStyle/>
+          <a:p>
+            <a:r>
+              <a:rPr lang="en-US" smtClean="0"/>
+              <a:t>alpha-projection unique on doubly-autoparallel submanifolds</a:t>
+            </a:r>
+            <a:endParaRPr lang="fr-FR"/>
+          </a:p>
+        </p:txBody>
+      </p:sp>
+    </p:spTree>
+    <p:extLst>
+      <p:ext uri="{BB962C8B-B14F-4D97-AF65-F5344CB8AC3E}">
+        <p14:creationId xmlns:p14="http://schemas.microsoft.com/office/powerpoint/2010/main" val="1338484336"/>
+      </p:ext>
+    </p:extLst>
+  </p:cSld>
+  <p:clrMapOvr>
+    <a:masterClrMapping/>
+  </p:clrMapOvr>
+  <p:timing>
+    <p:tnLst>
+      <p:par>
+        <p:cTn id="1" dur="indefinite" restart="never" nodeType="tmRoot"/>
+      </p:par>
+    </p:tnLst>
+  </p:timing>
+</p:sld>
+</file>
+
+<file path=ppt/slides/slide7.xml><?xml version="1.0" encoding="utf-8"?>
+<p:sld xmlns:a="http://schemas.openxmlformats.org/drawingml/2006/main" xmlns:r="http://schemas.openxmlformats.org/officeDocument/2006/relationships" xmlns:p="http://schemas.openxmlformats.org/presentationml/2006/main">
+  <p:cSld>
+    <p:spTree>
+      <p:nvGrpSpPr>
+        <p:cNvPr id="1" name=""/>
+        <p:cNvGrpSpPr/>
+        <p:nvPr/>
+      </p:nvGrpSpPr>
+      <p:grpSpPr>
+        <a:xfrm>
+          <a:off x="0" y="0"/>
+          <a:ext cx="0" cy="0"/>
+          <a:chOff x="0" y="0"/>
+          <a:chExt cx="0" cy="0"/>
+        </a:xfrm>
+      </p:grpSpPr>
+      <p:sp>
+        <p:nvSpPr>
+          <p:cNvPr id="2" name="Title 1"/>
+          <p:cNvSpPr>
+            <a:spLocks noGrp="1"/>
+          </p:cNvSpPr>
+          <p:nvPr>
+            <p:ph type="title"/>
+          </p:nvPr>
+        </p:nvSpPr>
+        <p:spPr/>
+        <p:txBody>
+          <a:bodyPr/>
+          <a:lstStyle/>
+          <a:p>
+            <a:r>
+              <a:rPr lang="en-US" smtClean="0"/>
+              <a:t>can we be dually flat with non-Hessian metric?</a:t>
+            </a:r>
+            <a:endParaRPr lang="fr-FR"/>
+          </a:p>
+        </p:txBody>
+      </p:sp>
+    </p:spTree>
+    <p:extLst>
+      <p:ext uri="{BB962C8B-B14F-4D97-AF65-F5344CB8AC3E}">
+        <p14:creationId xmlns:p14="http://schemas.microsoft.com/office/powerpoint/2010/main" val="1905417687"/>
+      </p:ext>
+    </p:extLst>
+  </p:cSld>
+  <p:clrMapOvr>
+    <a:masterClrMapping/>
+  </p:clrMapOvr>
+</p:sld>
+</file>
+
+<file path=ppt/slides/slide8.xml><?xml version="1.0" encoding="utf-8"?>
+<p:sld xmlns:a="http://schemas.openxmlformats.org/drawingml/2006/main" xmlns:r="http://schemas.openxmlformats.org/officeDocument/2006/relationships" xmlns:p="http://schemas.openxmlformats.org/presentationml/2006/main">
+  <p:cSld>
+    <p:spTree>
+      <p:nvGrpSpPr>
+        <p:cNvPr id="1" name=""/>
+        <p:cNvGrpSpPr/>
+        <p:nvPr/>
+      </p:nvGrpSpPr>
+      <p:grpSpPr>
+        <a:xfrm>
+          <a:off x="0" y="0"/>
+          <a:ext cx="0" cy="0"/>
+          <a:chOff x="0" y="0"/>
+          <a:chExt cx="0" cy="0"/>
+        </a:xfrm>
+      </p:grpSpPr>
+      <p:pic>
+        <p:nvPicPr>
+          <p:cNvPr id="7" name="Picture 6"/>
+          <p:cNvPicPr>
+            <a:picLocks noChangeAspect="1"/>
+          </p:cNvPicPr>
+          <p:nvPr/>
+        </p:nvPicPr>
+        <p:blipFill>
+          <a:blip r:embed="rId3"/>
+          <a:stretch>
+            <a:fillRect/>
+          </a:stretch>
+        </p:blipFill>
+        <p:spPr>
+          <a:xfrm>
+            <a:off x="4795152" y="2006552"/>
+            <a:ext cx="3626953" cy="559258"/>
+          </a:xfrm>
+          <a:prstGeom prst="rect">
+            <a:avLst/>
+          </a:prstGeom>
+        </p:spPr>
+      </p:pic>
+      <p:sp>
+        <p:nvSpPr>
+          <p:cNvPr id="2" name="Title 1"/>
+          <p:cNvSpPr>
+            <a:spLocks noGrp="1"/>
+          </p:cNvSpPr>
+          <p:nvPr>
+            <p:ph type="title"/>
+          </p:nvPr>
+        </p:nvSpPr>
+        <p:spPr>
+          <a:xfrm>
+            <a:off x="248264" y="-96991"/>
+            <a:ext cx="12248535" cy="1325563"/>
+          </a:xfrm>
+        </p:spPr>
+        <p:txBody>
+          <a:bodyPr/>
+          <a:lstStyle/>
+          <a:p>
+            <a:r>
+              <a:rPr lang="en-US" b="1" smtClean="0">
+                <a:solidFill>
+                  <a:schemeClr val="accent1"/>
+                </a:solidFill>
+              </a:rPr>
+              <a:t>Wedge product of 1-covectors: matrix determinant</a:t>
+            </a:r>
+            <a:endParaRPr lang="fr-FR" b="1">
+              <a:solidFill>
+                <a:schemeClr val="accent1"/>
+              </a:solidFill>
+            </a:endParaRPr>
+          </a:p>
+        </p:txBody>
+      </p:sp>
+      <p:sp>
+        <p:nvSpPr>
+          <p:cNvPr id="3" name="TextBox 2"/>
+          <p:cNvSpPr txBox="1"/>
+          <p:nvPr/>
+        </p:nvSpPr>
+        <p:spPr>
+          <a:xfrm>
+            <a:off x="0" y="1130710"/>
+            <a:ext cx="11829007" cy="5109091"/>
+          </a:xfrm>
+          <a:prstGeom prst="rect">
+            <a:avLst/>
+          </a:prstGeom>
+          <a:noFill/>
+        </p:spPr>
+        <p:txBody>
+          <a:bodyPr wrap="none" rtlCol="0">
+            <a:spAutoFit/>
+          </a:bodyPr>
+          <a:lstStyle/>
+          <a:p>
+            <a:pPr marL="457200" indent="-457200">
+              <a:buFont typeface="Arial" panose="020B0604020202020204" pitchFamily="34" charset="0"/>
+              <a:buChar char="•"/>
+            </a:pPr>
+            <a:r>
+              <a:rPr lang="en-US" sz="2800" smtClean="0"/>
+              <a:t>V: </a:t>
+            </a:r>
+            <a:r>
+              <a:rPr lang="en-US" sz="2800"/>
+              <a:t>m-dimensional real </a:t>
+            </a:r>
+            <a:r>
+              <a:rPr lang="en-US" sz="2800" b="1">
+                <a:solidFill>
+                  <a:srgbClr val="FF0000"/>
+                </a:solidFill>
+              </a:rPr>
+              <a:t>vector</a:t>
+            </a:r>
+            <a:r>
+              <a:rPr lang="en-US" sz="2800"/>
+              <a:t> space with </a:t>
+            </a:r>
+            <a:r>
+              <a:rPr lang="en-US" sz="2800" b="1">
+                <a:solidFill>
+                  <a:srgbClr val="FF0000"/>
+                </a:solidFill>
+              </a:rPr>
+              <a:t>basis</a:t>
+            </a:r>
+            <a:r>
+              <a:rPr lang="en-US" sz="2800"/>
+              <a:t> </a:t>
+            </a:r>
+          </a:p>
+          <a:p>
+            <a:pPr marL="457200" indent="-457200">
+              <a:buFont typeface="Arial" panose="020B0604020202020204" pitchFamily="34" charset="0"/>
+              <a:buChar char="•"/>
+            </a:pPr>
+            <a:r>
+              <a:rPr lang="en-US" sz="2800"/>
+              <a:t>V</a:t>
+            </a:r>
+            <a:r>
+              <a:rPr lang="en-US" sz="2800" smtClean="0"/>
+              <a:t>*: </a:t>
+            </a:r>
+            <a:r>
+              <a:rPr lang="en-US" sz="2800"/>
+              <a:t>dual space of </a:t>
+            </a:r>
+            <a:r>
+              <a:rPr lang="en-US" sz="2800" b="1" smtClean="0">
+                <a:solidFill>
+                  <a:srgbClr val="FF0000"/>
+                </a:solidFill>
+              </a:rPr>
+              <a:t>covectors</a:t>
+            </a:r>
+            <a:r>
+              <a:rPr lang="en-US" sz="2800" smtClean="0"/>
+              <a:t> (</a:t>
+            </a:r>
+            <a:r>
+              <a:rPr lang="en-US" sz="2400" smtClean="0"/>
+              <a:t>= linear functions</a:t>
+            </a:r>
+            <a:r>
+              <a:rPr lang="en-US" sz="2800" smtClean="0"/>
+              <a:t>) with </a:t>
+            </a:r>
+            <a:r>
+              <a:rPr lang="en-US" sz="2800" b="1" smtClean="0">
+                <a:solidFill>
+                  <a:srgbClr val="FF0000"/>
+                </a:solidFill>
+              </a:rPr>
+              <a:t>dual basis</a:t>
+            </a:r>
+          </a:p>
+          <a:p>
+            <a:pPr marL="457200" indent="-457200">
+              <a:buFont typeface="Arial" panose="020B0604020202020204" pitchFamily="34" charset="0"/>
+              <a:buChar char="•"/>
+            </a:pPr>
+            <a:r>
+              <a:rPr lang="en-US" sz="2800" smtClean="0"/>
+              <a:t>Natural </a:t>
+            </a:r>
+            <a:r>
+              <a:rPr lang="en-US" sz="2800" b="1" smtClean="0">
+                <a:solidFill>
+                  <a:srgbClr val="FF0000"/>
+                </a:solidFill>
+              </a:rPr>
+              <a:t>dual pairing </a:t>
+            </a:r>
+            <a:r>
+              <a:rPr lang="en-US" sz="2800" smtClean="0"/>
+              <a:t>             :</a:t>
+            </a:r>
+          </a:p>
+          <a:p>
+            <a:pPr marL="457200" indent="-457200">
+              <a:buFont typeface="Arial" panose="020B0604020202020204" pitchFamily="34" charset="0"/>
+              <a:buChar char="•"/>
+            </a:pPr>
+            <a:r>
+              <a:rPr lang="en-US" sz="2800" smtClean="0"/>
+              <a:t>Evaluation linear functionals (covectors) on vectors via </a:t>
+            </a:r>
+            <a:r>
+              <a:rPr lang="en-US" sz="2800" b="1" smtClean="0">
+                <a:solidFill>
+                  <a:srgbClr val="FF0000"/>
+                </a:solidFill>
+              </a:rPr>
+              <a:t>bilinear </a:t>
+            </a:r>
+            <a:r>
+              <a:rPr lang="en-US" sz="2800" smtClean="0"/>
+              <a:t>dual pairing:  </a:t>
+            </a:r>
+          </a:p>
+          <a:p>
+            <a:endParaRPr lang="en-US" sz="2800" smtClean="0"/>
+          </a:p>
+          <a:p>
+            <a:pPr marL="457200" indent="-457200">
+              <a:buFont typeface="Arial" panose="020B0604020202020204" pitchFamily="34" charset="0"/>
+              <a:buChar char="•"/>
+            </a:pPr>
+            <a:endParaRPr lang="en-US" sz="2800"/>
+          </a:p>
+          <a:p>
+            <a:pPr marL="457200" indent="-457200">
+              <a:buFont typeface="Arial" panose="020B0604020202020204" pitchFamily="34" charset="0"/>
+              <a:buChar char="•"/>
+            </a:pPr>
+            <a:r>
+              <a:rPr lang="en-US" sz="2800" b="1" smtClean="0">
+                <a:solidFill>
+                  <a:srgbClr val="FF0000"/>
+                </a:solidFill>
+              </a:rPr>
+              <a:t>Wedge product of k covectors</a:t>
+            </a:r>
+          </a:p>
+          <a:p>
+            <a:pPr marL="457200" indent="-457200">
+              <a:buFont typeface="Arial" panose="020B0604020202020204" pitchFamily="34" charset="0"/>
+              <a:buChar char="•"/>
+            </a:pPr>
+            <a:endParaRPr lang="en-US" sz="2800"/>
+          </a:p>
+          <a:p>
+            <a:endParaRPr lang="en-US" sz="2800" smtClean="0"/>
+          </a:p>
+          <a:p>
+            <a:endParaRPr lang="en-US" sz="2800"/>
+          </a:p>
+          <a:p>
+            <a:pPr marL="457200" indent="-457200">
+              <a:buFont typeface="Arial" panose="020B0604020202020204" pitchFamily="34" charset="0"/>
+              <a:buChar char="•"/>
+            </a:pPr>
+            <a:r>
+              <a:rPr lang="en-US" sz="2800" smtClean="0"/>
+              <a:t>For example, </a:t>
+            </a:r>
+            <a:r>
+              <a:rPr lang="en-US" sz="2800" b="1" smtClean="0">
+                <a:solidFill>
+                  <a:srgbClr val="FF0000"/>
+                </a:solidFill>
+              </a:rPr>
+              <a:t>volume form </a:t>
+            </a:r>
+            <a:r>
+              <a:rPr lang="en-US" sz="2800" smtClean="0"/>
+              <a:t>for integration: </a:t>
+            </a:r>
+            <a:endParaRPr lang="en-US" sz="2800"/>
+          </a:p>
+          <a:p>
+            <a:endParaRPr lang="fr-FR"/>
+          </a:p>
+        </p:txBody>
+      </p:sp>
+      <p:pic>
+        <p:nvPicPr>
+          <p:cNvPr id="4" name="Picture 3"/>
+          <p:cNvPicPr>
+            <a:picLocks noChangeAspect="1"/>
+          </p:cNvPicPr>
+          <p:nvPr/>
+        </p:nvPicPr>
+        <p:blipFill>
+          <a:blip r:embed="rId4"/>
+          <a:stretch>
+            <a:fillRect/>
+          </a:stretch>
+        </p:blipFill>
+        <p:spPr>
+          <a:xfrm>
+            <a:off x="7328027" y="1130710"/>
+            <a:ext cx="2105025" cy="514350"/>
+          </a:xfrm>
+          <a:prstGeom prst="rect">
+            <a:avLst/>
+          </a:prstGeom>
+        </p:spPr>
+      </p:pic>
+      <p:pic>
+        <p:nvPicPr>
+          <p:cNvPr id="5" name="Picture 4"/>
+          <p:cNvPicPr>
+            <a:picLocks noChangeAspect="1"/>
+          </p:cNvPicPr>
+          <p:nvPr/>
+        </p:nvPicPr>
+        <p:blipFill>
+          <a:blip r:embed="rId5"/>
+          <a:stretch>
+            <a:fillRect/>
+          </a:stretch>
+        </p:blipFill>
+        <p:spPr>
+          <a:xfrm>
+            <a:off x="9339938" y="1501584"/>
+            <a:ext cx="2628900" cy="685800"/>
+          </a:xfrm>
+          <a:prstGeom prst="rect">
+            <a:avLst/>
+          </a:prstGeom>
+        </p:spPr>
+      </p:pic>
+      <p:pic>
+        <p:nvPicPr>
+          <p:cNvPr id="6" name="Picture 5"/>
+          <p:cNvPicPr>
+            <a:picLocks noChangeAspect="1"/>
+          </p:cNvPicPr>
+          <p:nvPr/>
+        </p:nvPicPr>
+        <p:blipFill>
+          <a:blip r:embed="rId6"/>
+          <a:stretch>
+            <a:fillRect/>
+          </a:stretch>
+        </p:blipFill>
+        <p:spPr>
+          <a:xfrm>
+            <a:off x="3677291" y="1936379"/>
+            <a:ext cx="838200" cy="600075"/>
+          </a:xfrm>
+          <a:prstGeom prst="rect">
+            <a:avLst/>
+          </a:prstGeom>
+        </p:spPr>
+      </p:pic>
+      <p:pic>
+        <p:nvPicPr>
+          <p:cNvPr id="8" name="Picture 7"/>
+          <p:cNvPicPr>
+            <a:picLocks noChangeAspect="1"/>
+          </p:cNvPicPr>
+          <p:nvPr/>
+        </p:nvPicPr>
+        <p:blipFill>
+          <a:blip r:embed="rId7"/>
+          <a:stretch>
+            <a:fillRect/>
+          </a:stretch>
+        </p:blipFill>
+        <p:spPr>
+          <a:xfrm>
+            <a:off x="5082636" y="3685255"/>
+            <a:ext cx="1704975" cy="666750"/>
+          </a:xfrm>
+          <a:prstGeom prst="rect">
+            <a:avLst/>
+          </a:prstGeom>
+        </p:spPr>
+      </p:pic>
+      <p:pic>
+        <p:nvPicPr>
+          <p:cNvPr id="9" name="Picture 8"/>
+          <p:cNvPicPr>
+            <a:picLocks noChangeAspect="1"/>
+          </p:cNvPicPr>
+          <p:nvPr/>
+        </p:nvPicPr>
+        <p:blipFill>
+          <a:blip r:embed="rId8"/>
+          <a:stretch>
+            <a:fillRect/>
+          </a:stretch>
+        </p:blipFill>
+        <p:spPr>
+          <a:xfrm>
+            <a:off x="2815686" y="4511935"/>
+            <a:ext cx="7153275" cy="695325"/>
+          </a:xfrm>
+          <a:prstGeom prst="rect">
+            <a:avLst/>
+          </a:prstGeom>
+        </p:spPr>
+      </p:pic>
+      <p:pic>
+        <p:nvPicPr>
+          <p:cNvPr id="10" name="Picture 9"/>
+          <p:cNvPicPr>
+            <a:picLocks noChangeAspect="1"/>
+          </p:cNvPicPr>
+          <p:nvPr/>
+        </p:nvPicPr>
+        <p:blipFill>
+          <a:blip r:embed="rId9"/>
+          <a:stretch>
+            <a:fillRect/>
+          </a:stretch>
+        </p:blipFill>
+        <p:spPr>
+          <a:xfrm>
+            <a:off x="2815686" y="5862349"/>
+            <a:ext cx="7943850" cy="809625"/>
+          </a:xfrm>
+          <a:prstGeom prst="rect">
+            <a:avLst/>
+          </a:prstGeom>
+        </p:spPr>
+      </p:pic>
+      <p:pic>
+        <p:nvPicPr>
+          <p:cNvPr id="11" name="Picture 10"/>
+          <p:cNvPicPr>
+            <a:picLocks noChangeAspect="1"/>
+          </p:cNvPicPr>
+          <p:nvPr/>
+        </p:nvPicPr>
+        <p:blipFill>
+          <a:blip r:embed="rId10"/>
+          <a:stretch>
+            <a:fillRect/>
+          </a:stretch>
+        </p:blipFill>
+        <p:spPr>
+          <a:xfrm>
+            <a:off x="3441290" y="2876884"/>
+            <a:ext cx="7773475" cy="879325"/>
+          </a:xfrm>
+          <a:prstGeom prst="rect">
+            <a:avLst/>
+          </a:prstGeom>
+        </p:spPr>
+      </p:pic>
+      <p:sp>
+        <p:nvSpPr>
+          <p:cNvPr id="12" name="Rectangle 11"/>
+          <p:cNvSpPr/>
+          <p:nvPr/>
+        </p:nvSpPr>
+        <p:spPr>
+          <a:xfrm>
+            <a:off x="2815686" y="4511935"/>
+            <a:ext cx="7153275" cy="695325"/>
+          </a:xfrm>
+          <a:prstGeom prst="rect">
+            <a:avLst/>
+          </a:prstGeom>
+          <a:noFill/>
+          <a:ln w="38100">
+            <a:solidFill>
+              <a:srgbClr val="FF0000"/>
+            </a:solidFill>
+          </a:ln>
+        </p:spPr>
+        <p:style>
+          <a:lnRef idx="2">
+            <a:schemeClr val="accent1">
+              <a:shade val="50000"/>
+            </a:schemeClr>
+          </a:lnRef>
+          <a:fillRef idx="1">
+            <a:schemeClr val="accent1"/>
+          </a:fillRef>
+          <a:effectRef idx="0">
+            <a:schemeClr val="accent1"/>
+          </a:effectRef>
+          <a:fontRef idx="minor">
+            <a:schemeClr val="lt1"/>
+          </a:fontRef>
+        </p:style>
+        <p:txBody>
+          <a:bodyPr rtlCol="0" anchor="ctr"/>
+          <a:lstStyle/>
+          <a:p>
+            <a:pPr algn="ctr"/>
+            <a:endParaRPr lang="fr-FR"/>
+          </a:p>
+        </p:txBody>
+      </p:sp>
+    </p:spTree>
+    <p:extLst>
+      <p:ext uri="{BB962C8B-B14F-4D97-AF65-F5344CB8AC3E}">
+        <p14:creationId xmlns:p14="http://schemas.microsoft.com/office/powerpoint/2010/main" val="1292673247"/>
       </p:ext>
     </p:extLst>
   </p:cSld>
